--- a/experience/slides/template_vert.pptx
+++ b/experience/slides/template_vert.pptx
@@ -6,8 +6,8 @@
   </p:sldMasterIdLst>
   <p:sldIdLst>
     <p:sldId id="264" r:id="rId2"/>
-    <p:sldId id="265" r:id="rId3"/>
-    <p:sldId id="266" r:id="rId4"/>
+    <p:sldId id="266" r:id="rId3"/>
+    <p:sldId id="265" r:id="rId4"/>
     <p:sldId id="267" r:id="rId5"/>
     <p:sldId id="281" r:id="rId6"/>
     <p:sldId id="256" r:id="rId7"/>
@@ -109,6 +109,11 @@
       </a:defRPr>
     </a:lvl9pPr>
   </p:defaultTextStyle>
+  <p:extLst>
+    <p:ext uri="{EFAFB233-063F-42B5-8137-9DF3F51BA10A}">
+      <p15:sldGuideLst xmlns:p15="http://schemas.microsoft.com/office/powerpoint/2012/main"/>
+    </p:ext>
+  </p:extLst>
 </p:presentation>
 </file>
 
@@ -243,7 +248,7 @@
           <a:p>
             <a:fld id="{903A75BA-E28B-4D90-B5EB-29947CD3F8ED}" type="datetimeFigureOut">
               <a:rPr lang="es-419" smtClean="0"/>
-              <a:t>7/1/2021</a:t>
+              <a:t>11/1/2021</a:t>
             </a:fld>
             <a:endParaRPr lang="es-419"/>
           </a:p>
@@ -413,7 +418,7 @@
           <a:p>
             <a:fld id="{903A75BA-E28B-4D90-B5EB-29947CD3F8ED}" type="datetimeFigureOut">
               <a:rPr lang="es-419" smtClean="0"/>
-              <a:t>7/1/2021</a:t>
+              <a:t>11/1/2021</a:t>
             </a:fld>
             <a:endParaRPr lang="es-419"/>
           </a:p>
@@ -593,7 +598,7 @@
           <a:p>
             <a:fld id="{903A75BA-E28B-4D90-B5EB-29947CD3F8ED}" type="datetimeFigureOut">
               <a:rPr lang="es-419" smtClean="0"/>
-              <a:t>7/1/2021</a:t>
+              <a:t>11/1/2021</a:t>
             </a:fld>
             <a:endParaRPr lang="es-419"/>
           </a:p>
@@ -763,7 +768,7 @@
           <a:p>
             <a:fld id="{903A75BA-E28B-4D90-B5EB-29947CD3F8ED}" type="datetimeFigureOut">
               <a:rPr lang="es-419" smtClean="0"/>
-              <a:t>7/1/2021</a:t>
+              <a:t>11/1/2021</a:t>
             </a:fld>
             <a:endParaRPr lang="es-419"/>
           </a:p>
@@ -1009,7 +1014,7 @@
           <a:p>
             <a:fld id="{903A75BA-E28B-4D90-B5EB-29947CD3F8ED}" type="datetimeFigureOut">
               <a:rPr lang="es-419" smtClean="0"/>
-              <a:t>7/1/2021</a:t>
+              <a:t>11/1/2021</a:t>
             </a:fld>
             <a:endParaRPr lang="es-419"/>
           </a:p>
@@ -1241,7 +1246,7 @@
           <a:p>
             <a:fld id="{903A75BA-E28B-4D90-B5EB-29947CD3F8ED}" type="datetimeFigureOut">
               <a:rPr lang="es-419" smtClean="0"/>
-              <a:t>7/1/2021</a:t>
+              <a:t>11/1/2021</a:t>
             </a:fld>
             <a:endParaRPr lang="es-419"/>
           </a:p>
@@ -1608,7 +1613,7 @@
           <a:p>
             <a:fld id="{903A75BA-E28B-4D90-B5EB-29947CD3F8ED}" type="datetimeFigureOut">
               <a:rPr lang="es-419" smtClean="0"/>
-              <a:t>7/1/2021</a:t>
+              <a:t>11/1/2021</a:t>
             </a:fld>
             <a:endParaRPr lang="es-419"/>
           </a:p>
@@ -1726,7 +1731,7 @@
           <a:p>
             <a:fld id="{903A75BA-E28B-4D90-B5EB-29947CD3F8ED}" type="datetimeFigureOut">
               <a:rPr lang="es-419" smtClean="0"/>
-              <a:t>7/1/2021</a:t>
+              <a:t>11/1/2021</a:t>
             </a:fld>
             <a:endParaRPr lang="es-419"/>
           </a:p>
@@ -1821,7 +1826,7 @@
           <a:p>
             <a:fld id="{903A75BA-E28B-4D90-B5EB-29947CD3F8ED}" type="datetimeFigureOut">
               <a:rPr lang="es-419" smtClean="0"/>
-              <a:t>7/1/2021</a:t>
+              <a:t>11/1/2021</a:t>
             </a:fld>
             <a:endParaRPr lang="es-419"/>
           </a:p>
@@ -2098,7 +2103,7 @@
           <a:p>
             <a:fld id="{903A75BA-E28B-4D90-B5EB-29947CD3F8ED}" type="datetimeFigureOut">
               <a:rPr lang="es-419" smtClean="0"/>
-              <a:t>7/1/2021</a:t>
+              <a:t>11/1/2021</a:t>
             </a:fld>
             <a:endParaRPr lang="es-419"/>
           </a:p>
@@ -2355,7 +2360,7 @@
           <a:p>
             <a:fld id="{903A75BA-E28B-4D90-B5EB-29947CD3F8ED}" type="datetimeFigureOut">
               <a:rPr lang="es-419" smtClean="0"/>
-              <a:t>7/1/2021</a:t>
+              <a:t>11/1/2021</a:t>
             </a:fld>
             <a:endParaRPr lang="es-419"/>
           </a:p>
@@ -2568,7 +2573,7 @@
           <a:p>
             <a:fld id="{903A75BA-E28B-4D90-B5EB-29947CD3F8ED}" type="datetimeFigureOut">
               <a:rPr lang="es-419" smtClean="0"/>
-              <a:t>7/1/2021</a:t>
+              <a:t>11/1/2021</a:t>
             </a:fld>
             <a:endParaRPr lang="es-419"/>
           </a:p>
@@ -3236,6 +3241,264 @@
           <p:cNvPr id="2" name="Groupe 1">
             <a:extLst>
               <a:ext uri="{FF2B5EF4-FFF2-40B4-BE49-F238E27FC236}">
+                <a16:creationId xmlns:a16="http://schemas.microsoft.com/office/drawing/2014/main" id="{E7721058-A4B6-482F-ADE8-9AE280DC6DD2}"/>
+              </a:ext>
+            </a:extLst>
+          </p:cNvPr>
+          <p:cNvGrpSpPr/>
+          <p:nvPr/>
+        </p:nvGrpSpPr>
+        <p:grpSpPr>
+          <a:xfrm>
+            <a:off x="4068000" y="2880000"/>
+            <a:ext cx="360000" cy="360000"/>
+            <a:chOff x="751840" y="670560"/>
+            <a:chExt cx="720000" cy="720000"/>
+          </a:xfrm>
+          <a:solidFill>
+            <a:srgbClr val="00B050"/>
+          </a:solidFill>
+        </p:grpSpPr>
+        <p:sp>
+          <p:nvSpPr>
+            <p:cNvPr id="3" name="Rectangle 2">
+              <a:extLst>
+                <a:ext uri="{FF2B5EF4-FFF2-40B4-BE49-F238E27FC236}">
+                  <a16:creationId xmlns:a16="http://schemas.microsoft.com/office/drawing/2014/main" id="{8CF78F73-F2E2-457C-B256-A71DC5B6EACA}"/>
+                </a:ext>
+              </a:extLst>
+            </p:cNvPr>
+            <p:cNvSpPr/>
+            <p:nvPr/>
+          </p:nvSpPr>
+          <p:spPr>
+            <a:xfrm>
+              <a:off x="751840" y="670560"/>
+              <a:ext cx="720000" cy="720000"/>
+            </a:xfrm>
+            <a:prstGeom prst="rect">
+              <a:avLst/>
+            </a:prstGeom>
+            <a:grpFill/>
+            <a:ln w="9525"/>
+          </p:spPr>
+          <p:style>
+            <a:lnRef idx="2">
+              <a:schemeClr val="accent1">
+                <a:shade val="50000"/>
+              </a:schemeClr>
+            </a:lnRef>
+            <a:fillRef idx="1">
+              <a:schemeClr val="accent1"/>
+            </a:fillRef>
+            <a:effectRef idx="0">
+              <a:schemeClr val="accent1"/>
+            </a:effectRef>
+            <a:fontRef idx="minor">
+              <a:schemeClr val="lt1"/>
+            </a:fontRef>
+          </p:style>
+          <p:txBody>
+            <a:bodyPr rtlCol="0" anchor="ctr"/>
+            <a:lstStyle/>
+            <a:p>
+              <a:pPr algn="ctr"/>
+              <a:endParaRPr lang="es-419" sz="402" dirty="0"/>
+            </a:p>
+          </p:txBody>
+        </p:sp>
+        <p:cxnSp>
+          <p:nvCxnSpPr>
+            <p:cNvPr id="4" name="Connecteur droit 3">
+              <a:extLst>
+                <a:ext uri="{FF2B5EF4-FFF2-40B4-BE49-F238E27FC236}">
+                  <a16:creationId xmlns:a16="http://schemas.microsoft.com/office/drawing/2014/main" id="{0B0F8C44-44B0-4581-8968-001FD82E53EC}"/>
+                </a:ext>
+              </a:extLst>
+            </p:cNvPr>
+            <p:cNvCxnSpPr/>
+            <p:nvPr/>
+          </p:nvCxnSpPr>
+          <p:spPr>
+            <a:xfrm>
+              <a:off x="751840" y="670560"/>
+              <a:ext cx="720000" cy="720000"/>
+            </a:xfrm>
+            <a:prstGeom prst="line">
+              <a:avLst/>
+            </a:prstGeom>
+            <a:grpFill/>
+            <a:ln w="9525">
+              <a:solidFill>
+                <a:schemeClr val="bg1"/>
+              </a:solidFill>
+            </a:ln>
+          </p:spPr>
+          <p:style>
+            <a:lnRef idx="1">
+              <a:schemeClr val="accent1"/>
+            </a:lnRef>
+            <a:fillRef idx="0">
+              <a:schemeClr val="accent1"/>
+            </a:fillRef>
+            <a:effectRef idx="0">
+              <a:schemeClr val="accent1"/>
+            </a:effectRef>
+            <a:fontRef idx="minor">
+              <a:schemeClr val="tx1"/>
+            </a:fontRef>
+          </p:style>
+        </p:cxnSp>
+        <p:cxnSp>
+          <p:nvCxnSpPr>
+            <p:cNvPr id="5" name="Connecteur droit 4">
+              <a:extLst>
+                <a:ext uri="{FF2B5EF4-FFF2-40B4-BE49-F238E27FC236}">
+                  <a16:creationId xmlns:a16="http://schemas.microsoft.com/office/drawing/2014/main" id="{3F14CE77-968C-411C-868A-6336CE814A7E}"/>
+                </a:ext>
+              </a:extLst>
+            </p:cNvPr>
+            <p:cNvCxnSpPr>
+              <a:cxnSpLocks/>
+            </p:cNvCxnSpPr>
+            <p:nvPr/>
+          </p:nvCxnSpPr>
+          <p:spPr>
+            <a:xfrm flipH="1">
+              <a:off x="751840" y="670560"/>
+              <a:ext cx="720000" cy="720000"/>
+            </a:xfrm>
+            <a:prstGeom prst="line">
+              <a:avLst/>
+            </a:prstGeom>
+            <a:grpFill/>
+            <a:ln w="9525">
+              <a:solidFill>
+                <a:schemeClr val="bg1"/>
+              </a:solidFill>
+            </a:ln>
+          </p:spPr>
+          <p:style>
+            <a:lnRef idx="1">
+              <a:schemeClr val="accent1"/>
+            </a:lnRef>
+            <a:fillRef idx="0">
+              <a:schemeClr val="accent1"/>
+            </a:fillRef>
+            <a:effectRef idx="0">
+              <a:schemeClr val="accent1"/>
+            </a:effectRef>
+            <a:fontRef idx="minor">
+              <a:schemeClr val="tx1"/>
+            </a:fontRef>
+          </p:style>
+        </p:cxnSp>
+      </p:grpSp>
+      <p:sp>
+        <p:nvSpPr>
+          <p:cNvPr id="6" name="Ellipse 5">
+            <a:extLst>
+              <a:ext uri="{FF2B5EF4-FFF2-40B4-BE49-F238E27FC236}">
+                <a16:creationId xmlns:a16="http://schemas.microsoft.com/office/drawing/2014/main" id="{BF7A1539-2C0F-42AF-B723-88576783DA9E}"/>
+              </a:ext>
+            </a:extLst>
+          </p:cNvPr>
+          <p:cNvSpPr/>
+          <p:nvPr/>
+        </p:nvSpPr>
+        <p:spPr>
+          <a:xfrm>
+            <a:off x="4230000" y="3042000"/>
+            <a:ext cx="36000" cy="36000"/>
+          </a:xfrm>
+          <a:prstGeom prst="ellipse">
+            <a:avLst/>
+          </a:prstGeom>
+          <a:solidFill>
+            <a:schemeClr val="bg1"/>
+          </a:solidFill>
+          <a:ln w="9525">
+            <a:solidFill>
+              <a:schemeClr val="bg1"/>
+            </a:solidFill>
+          </a:ln>
+          <a:effectLst>
+            <a:glow rad="139700">
+              <a:schemeClr val="accent3">
+                <a:satMod val="175000"/>
+                <a:alpha val="40000"/>
+              </a:schemeClr>
+            </a:glow>
+          </a:effectLst>
+        </p:spPr>
+        <p:style>
+          <a:lnRef idx="2">
+            <a:schemeClr val="accent1">
+              <a:shade val="50000"/>
+            </a:schemeClr>
+          </a:lnRef>
+          <a:fillRef idx="1">
+            <a:schemeClr val="accent1"/>
+          </a:fillRef>
+          <a:effectRef idx="0">
+            <a:schemeClr val="accent1"/>
+          </a:effectRef>
+          <a:fontRef idx="minor">
+            <a:schemeClr val="lt1"/>
+          </a:fontRef>
+        </p:style>
+        <p:txBody>
+          <a:bodyPr rtlCol="0" anchor="ctr"/>
+          <a:lstStyle/>
+          <a:p>
+            <a:pPr algn="ctr"/>
+            <a:endParaRPr lang="es-419" sz="402" dirty="0"/>
+          </a:p>
+        </p:txBody>
+      </p:sp>
+    </p:spTree>
+    <p:extLst>
+      <p:ext uri="{BB962C8B-B14F-4D97-AF65-F5344CB8AC3E}">
+        <p14:creationId xmlns:p14="http://schemas.microsoft.com/office/powerpoint/2010/main" val="725459178"/>
+      </p:ext>
+    </p:extLst>
+  </p:cSld>
+  <p:clrMapOvr>
+    <a:masterClrMapping/>
+  </p:clrMapOvr>
+  <mc:AlternateContent xmlns:mc="http://schemas.openxmlformats.org/markup-compatibility/2006" xmlns:p14="http://schemas.microsoft.com/office/powerpoint/2010/main">
+    <mc:Choice Requires="p14">
+      <p:transition spd="slow" p14:dur="2000" advClick="0" advTm="2000"/>
+    </mc:Choice>
+    <mc:Fallback xmlns="">
+      <p:transition spd="slow" advClick="0" advTm="2000"/>
+    </mc:Fallback>
+  </mc:AlternateContent>
+</p:sld>
+</file>
+
+<file path=ppt/slides/slide3.xml><?xml version="1.0" encoding="utf-8"?>
+<p:sld xmlns:a="http://schemas.openxmlformats.org/drawingml/2006/main" xmlns:r="http://schemas.openxmlformats.org/officeDocument/2006/relationships" xmlns:p="http://schemas.openxmlformats.org/presentationml/2006/main">
+  <p:cSld>
+    <p:spTree>
+      <p:nvGrpSpPr>
+        <p:cNvPr id="1" name=""/>
+        <p:cNvGrpSpPr/>
+        <p:nvPr/>
+      </p:nvGrpSpPr>
+      <p:grpSpPr>
+        <a:xfrm>
+          <a:off x="0" y="0"/>
+          <a:ext cx="0" cy="0"/>
+          <a:chOff x="0" y="0"/>
+          <a:chExt cx="0" cy="0"/>
+        </a:xfrm>
+      </p:grpSpPr>
+      <p:grpSp>
+        <p:nvGrpSpPr>
+          <p:cNvPr id="2" name="Groupe 1">
+            <a:extLst>
+              <a:ext uri="{FF2B5EF4-FFF2-40B4-BE49-F238E27FC236}">
                 <a16:creationId xmlns:a16="http://schemas.microsoft.com/office/drawing/2014/main" id="{7623BD40-003C-4CB3-8DB4-980415C1DC63}"/>
               </a:ext>
             </a:extLst>
@@ -3455,264 +3718,6 @@
     <p:extLst>
       <p:ext uri="{BB962C8B-B14F-4D97-AF65-F5344CB8AC3E}">
         <p14:creationId xmlns:p14="http://schemas.microsoft.com/office/powerpoint/2010/main" val="153529272"/>
-      </p:ext>
-    </p:extLst>
-  </p:cSld>
-  <p:clrMapOvr>
-    <a:masterClrMapping/>
-  </p:clrMapOvr>
-  <mc:AlternateContent xmlns:mc="http://schemas.openxmlformats.org/markup-compatibility/2006" xmlns:p14="http://schemas.microsoft.com/office/powerpoint/2010/main">
-    <mc:Choice Requires="p14">
-      <p:transition spd="slow" p14:dur="2000" advClick="0" advTm="2000"/>
-    </mc:Choice>
-    <mc:Fallback xmlns="">
-      <p:transition spd="slow" advClick="0" advTm="2000"/>
-    </mc:Fallback>
-  </mc:AlternateContent>
-</p:sld>
-</file>
-
-<file path=ppt/slides/slide3.xml><?xml version="1.0" encoding="utf-8"?>
-<p:sld xmlns:a="http://schemas.openxmlformats.org/drawingml/2006/main" xmlns:r="http://schemas.openxmlformats.org/officeDocument/2006/relationships" xmlns:p="http://schemas.openxmlformats.org/presentationml/2006/main">
-  <p:cSld>
-    <p:spTree>
-      <p:nvGrpSpPr>
-        <p:cNvPr id="1" name=""/>
-        <p:cNvGrpSpPr/>
-        <p:nvPr/>
-      </p:nvGrpSpPr>
-      <p:grpSpPr>
-        <a:xfrm>
-          <a:off x="0" y="0"/>
-          <a:ext cx="0" cy="0"/>
-          <a:chOff x="0" y="0"/>
-          <a:chExt cx="0" cy="0"/>
-        </a:xfrm>
-      </p:grpSpPr>
-      <p:grpSp>
-        <p:nvGrpSpPr>
-          <p:cNvPr id="2" name="Groupe 1">
-            <a:extLst>
-              <a:ext uri="{FF2B5EF4-FFF2-40B4-BE49-F238E27FC236}">
-                <a16:creationId xmlns:a16="http://schemas.microsoft.com/office/drawing/2014/main" id="{E7721058-A4B6-482F-ADE8-9AE280DC6DD2}"/>
-              </a:ext>
-            </a:extLst>
-          </p:cNvPr>
-          <p:cNvGrpSpPr/>
-          <p:nvPr/>
-        </p:nvGrpSpPr>
-        <p:grpSpPr>
-          <a:xfrm>
-            <a:off x="4068000" y="2880000"/>
-            <a:ext cx="360000" cy="360000"/>
-            <a:chOff x="751840" y="670560"/>
-            <a:chExt cx="720000" cy="720000"/>
-          </a:xfrm>
-          <a:solidFill>
-            <a:srgbClr val="00B050"/>
-          </a:solidFill>
-        </p:grpSpPr>
-        <p:sp>
-          <p:nvSpPr>
-            <p:cNvPr id="3" name="Rectangle 2">
-              <a:extLst>
-                <a:ext uri="{FF2B5EF4-FFF2-40B4-BE49-F238E27FC236}">
-                  <a16:creationId xmlns:a16="http://schemas.microsoft.com/office/drawing/2014/main" id="{8CF78F73-F2E2-457C-B256-A71DC5B6EACA}"/>
-                </a:ext>
-              </a:extLst>
-            </p:cNvPr>
-            <p:cNvSpPr/>
-            <p:nvPr/>
-          </p:nvSpPr>
-          <p:spPr>
-            <a:xfrm>
-              <a:off x="751840" y="670560"/>
-              <a:ext cx="720000" cy="720000"/>
-            </a:xfrm>
-            <a:prstGeom prst="rect">
-              <a:avLst/>
-            </a:prstGeom>
-            <a:grpFill/>
-            <a:ln w="9525"/>
-          </p:spPr>
-          <p:style>
-            <a:lnRef idx="2">
-              <a:schemeClr val="accent1">
-                <a:shade val="50000"/>
-              </a:schemeClr>
-            </a:lnRef>
-            <a:fillRef idx="1">
-              <a:schemeClr val="accent1"/>
-            </a:fillRef>
-            <a:effectRef idx="0">
-              <a:schemeClr val="accent1"/>
-            </a:effectRef>
-            <a:fontRef idx="minor">
-              <a:schemeClr val="lt1"/>
-            </a:fontRef>
-          </p:style>
-          <p:txBody>
-            <a:bodyPr rtlCol="0" anchor="ctr"/>
-            <a:lstStyle/>
-            <a:p>
-              <a:pPr algn="ctr"/>
-              <a:endParaRPr lang="es-419" sz="402" dirty="0"/>
-            </a:p>
-          </p:txBody>
-        </p:sp>
-        <p:cxnSp>
-          <p:nvCxnSpPr>
-            <p:cNvPr id="4" name="Connecteur droit 3">
-              <a:extLst>
-                <a:ext uri="{FF2B5EF4-FFF2-40B4-BE49-F238E27FC236}">
-                  <a16:creationId xmlns:a16="http://schemas.microsoft.com/office/drawing/2014/main" id="{0B0F8C44-44B0-4581-8968-001FD82E53EC}"/>
-                </a:ext>
-              </a:extLst>
-            </p:cNvPr>
-            <p:cNvCxnSpPr/>
-            <p:nvPr/>
-          </p:nvCxnSpPr>
-          <p:spPr>
-            <a:xfrm>
-              <a:off x="751840" y="670560"/>
-              <a:ext cx="720000" cy="720000"/>
-            </a:xfrm>
-            <a:prstGeom prst="line">
-              <a:avLst/>
-            </a:prstGeom>
-            <a:grpFill/>
-            <a:ln w="9525">
-              <a:solidFill>
-                <a:schemeClr val="bg1"/>
-              </a:solidFill>
-            </a:ln>
-          </p:spPr>
-          <p:style>
-            <a:lnRef idx="1">
-              <a:schemeClr val="accent1"/>
-            </a:lnRef>
-            <a:fillRef idx="0">
-              <a:schemeClr val="accent1"/>
-            </a:fillRef>
-            <a:effectRef idx="0">
-              <a:schemeClr val="accent1"/>
-            </a:effectRef>
-            <a:fontRef idx="minor">
-              <a:schemeClr val="tx1"/>
-            </a:fontRef>
-          </p:style>
-        </p:cxnSp>
-        <p:cxnSp>
-          <p:nvCxnSpPr>
-            <p:cNvPr id="5" name="Connecteur droit 4">
-              <a:extLst>
-                <a:ext uri="{FF2B5EF4-FFF2-40B4-BE49-F238E27FC236}">
-                  <a16:creationId xmlns:a16="http://schemas.microsoft.com/office/drawing/2014/main" id="{3F14CE77-968C-411C-868A-6336CE814A7E}"/>
-                </a:ext>
-              </a:extLst>
-            </p:cNvPr>
-            <p:cNvCxnSpPr>
-              <a:cxnSpLocks/>
-            </p:cNvCxnSpPr>
-            <p:nvPr/>
-          </p:nvCxnSpPr>
-          <p:spPr>
-            <a:xfrm flipH="1">
-              <a:off x="751840" y="670560"/>
-              <a:ext cx="720000" cy="720000"/>
-            </a:xfrm>
-            <a:prstGeom prst="line">
-              <a:avLst/>
-            </a:prstGeom>
-            <a:grpFill/>
-            <a:ln w="9525">
-              <a:solidFill>
-                <a:schemeClr val="bg1"/>
-              </a:solidFill>
-            </a:ln>
-          </p:spPr>
-          <p:style>
-            <a:lnRef idx="1">
-              <a:schemeClr val="accent1"/>
-            </a:lnRef>
-            <a:fillRef idx="0">
-              <a:schemeClr val="accent1"/>
-            </a:fillRef>
-            <a:effectRef idx="0">
-              <a:schemeClr val="accent1"/>
-            </a:effectRef>
-            <a:fontRef idx="minor">
-              <a:schemeClr val="tx1"/>
-            </a:fontRef>
-          </p:style>
-        </p:cxnSp>
-      </p:grpSp>
-      <p:sp>
-        <p:nvSpPr>
-          <p:cNvPr id="6" name="Ellipse 5">
-            <a:extLst>
-              <a:ext uri="{FF2B5EF4-FFF2-40B4-BE49-F238E27FC236}">
-                <a16:creationId xmlns:a16="http://schemas.microsoft.com/office/drawing/2014/main" id="{BF7A1539-2C0F-42AF-B723-88576783DA9E}"/>
-              </a:ext>
-            </a:extLst>
-          </p:cNvPr>
-          <p:cNvSpPr/>
-          <p:nvPr/>
-        </p:nvSpPr>
-        <p:spPr>
-          <a:xfrm>
-            <a:off x="4230000" y="3042000"/>
-            <a:ext cx="36000" cy="36000"/>
-          </a:xfrm>
-          <a:prstGeom prst="ellipse">
-            <a:avLst/>
-          </a:prstGeom>
-          <a:solidFill>
-            <a:schemeClr val="bg1"/>
-          </a:solidFill>
-          <a:ln w="9525">
-            <a:solidFill>
-              <a:schemeClr val="bg1"/>
-            </a:solidFill>
-          </a:ln>
-          <a:effectLst>
-            <a:glow rad="139700">
-              <a:schemeClr val="accent3">
-                <a:satMod val="175000"/>
-                <a:alpha val="40000"/>
-              </a:schemeClr>
-            </a:glow>
-          </a:effectLst>
-        </p:spPr>
-        <p:style>
-          <a:lnRef idx="2">
-            <a:schemeClr val="accent1">
-              <a:shade val="50000"/>
-            </a:schemeClr>
-          </a:lnRef>
-          <a:fillRef idx="1">
-            <a:schemeClr val="accent1"/>
-          </a:fillRef>
-          <a:effectRef idx="0">
-            <a:schemeClr val="accent1"/>
-          </a:effectRef>
-          <a:fontRef idx="minor">
-            <a:schemeClr val="lt1"/>
-          </a:fontRef>
-        </p:style>
-        <p:txBody>
-          <a:bodyPr rtlCol="0" anchor="ctr"/>
-          <a:lstStyle/>
-          <a:p>
-            <a:pPr algn="ctr"/>
-            <a:endParaRPr lang="es-419" sz="402" dirty="0"/>
-          </a:p>
-        </p:txBody>
-      </p:sp>
-    </p:spTree>
-    <p:extLst>
-      <p:ext uri="{BB962C8B-B14F-4D97-AF65-F5344CB8AC3E}">
-        <p14:creationId xmlns:p14="http://schemas.microsoft.com/office/powerpoint/2010/main" val="725459178"/>
       </p:ext>
     </p:extLst>
   </p:cSld>
